--- a/Human Voice Classification and Clustering.pptx
+++ b/Human Voice Classification and Clustering.pptx
@@ -301,7 +301,7 @@
           <a:p>
             <a:fld id="{5BCAD085-E8A6-8845-BD4E-CB4CCA059FC4}" type="datetimeFigureOut">
               <a:rPr lang="en-US" smtClean="0"/>
-              <a:t>8/20/2025</a:t>
+              <a:t>8/29/2025</a:t>
             </a:fld>
             <a:endParaRPr lang="en-US"/>
           </a:p>
@@ -568,7 +568,7 @@
           <a:p>
             <a:fld id="{5BCAD085-E8A6-8845-BD4E-CB4CCA059FC4}" type="datetimeFigureOut">
               <a:rPr lang="en-US" smtClean="0"/>
-              <a:t>8/20/2025</a:t>
+              <a:t>8/29/2025</a:t>
             </a:fld>
             <a:endParaRPr lang="en-US"/>
           </a:p>
@@ -799,7 +799,7 @@
           <a:p>
             <a:fld id="{5BCAD085-E8A6-8845-BD4E-CB4CCA059FC4}" type="datetimeFigureOut">
               <a:rPr lang="en-US" smtClean="0"/>
-              <a:t>8/20/2025</a:t>
+              <a:t>8/29/2025</a:t>
             </a:fld>
             <a:endParaRPr lang="en-US"/>
           </a:p>
@@ -1109,7 +1109,7 @@
           <a:p>
             <a:fld id="{5BCAD085-E8A6-8845-BD4E-CB4CCA059FC4}" type="datetimeFigureOut">
               <a:rPr lang="en-US" smtClean="0"/>
-              <a:t>8/20/2025</a:t>
+              <a:t>8/29/2025</a:t>
             </a:fld>
             <a:endParaRPr lang="en-US"/>
           </a:p>
@@ -1582,7 +1582,7 @@
           <a:p>
             <a:fld id="{5BCAD085-E8A6-8845-BD4E-CB4CCA059FC4}" type="datetimeFigureOut">
               <a:rPr lang="en-US" smtClean="0"/>
-              <a:t>8/20/2025</a:t>
+              <a:t>8/29/2025</a:t>
             </a:fld>
             <a:endParaRPr lang="en-US"/>
           </a:p>
@@ -2129,7 +2129,7 @@
           <a:p>
             <a:fld id="{5BCAD085-E8A6-8845-BD4E-CB4CCA059FC4}" type="datetimeFigureOut">
               <a:rPr lang="en-US" smtClean="0"/>
-              <a:t>8/20/2025</a:t>
+              <a:t>8/29/2025</a:t>
             </a:fld>
             <a:endParaRPr lang="en-US"/>
           </a:p>
@@ -2903,7 +2903,7 @@
           <a:p>
             <a:fld id="{5BCAD085-E8A6-8845-BD4E-CB4CCA059FC4}" type="datetimeFigureOut">
               <a:rPr lang="en-US" smtClean="0"/>
-              <a:t>8/20/2025</a:t>
+              <a:t>8/29/2025</a:t>
             </a:fld>
             <a:endParaRPr lang="en-US"/>
           </a:p>
@@ -3078,7 +3078,7 @@
           <a:p>
             <a:fld id="{5BCAD085-E8A6-8845-BD4E-CB4CCA059FC4}" type="datetimeFigureOut">
               <a:rPr lang="en-US" smtClean="0"/>
-              <a:t>8/20/2025</a:t>
+              <a:t>8/29/2025</a:t>
             </a:fld>
             <a:endParaRPr lang="en-US"/>
           </a:p>
@@ -3301,7 +3301,7 @@
           <a:p>
             <a:fld id="{5BCAD085-E8A6-8845-BD4E-CB4CCA059FC4}" type="datetimeFigureOut">
               <a:rPr lang="en-US" smtClean="0"/>
-              <a:t>8/20/2025</a:t>
+              <a:t>8/29/2025</a:t>
             </a:fld>
             <a:endParaRPr lang="en-US"/>
           </a:p>
@@ -3481,7 +3481,7 @@
           <a:p>
             <a:fld id="{5BCAD085-E8A6-8845-BD4E-CB4CCA059FC4}" type="datetimeFigureOut">
               <a:rPr lang="en-US" smtClean="0"/>
-              <a:t>8/20/2025</a:t>
+              <a:t>8/29/2025</a:t>
             </a:fld>
             <a:endParaRPr lang="en-US"/>
           </a:p>
@@ -3770,7 +3770,7 @@
           <a:p>
             <a:fld id="{5BCAD085-E8A6-8845-BD4E-CB4CCA059FC4}" type="datetimeFigureOut">
               <a:rPr lang="en-US" smtClean="0"/>
-              <a:t>8/20/2025</a:t>
+              <a:t>8/29/2025</a:t>
             </a:fld>
             <a:endParaRPr lang="en-US"/>
           </a:p>
@@ -4012,7 +4012,7 @@
           <a:p>
             <a:fld id="{5BCAD085-E8A6-8845-BD4E-CB4CCA059FC4}" type="datetimeFigureOut">
               <a:rPr lang="en-US" smtClean="0"/>
-              <a:t>8/20/2025</a:t>
+              <a:t>8/29/2025</a:t>
             </a:fld>
             <a:endParaRPr lang="en-US"/>
           </a:p>
@@ -4391,7 +4391,7 @@
           <a:p>
             <a:fld id="{5BCAD085-E8A6-8845-BD4E-CB4CCA059FC4}" type="datetimeFigureOut">
               <a:rPr lang="en-US" smtClean="0"/>
-              <a:t>8/20/2025</a:t>
+              <a:t>8/29/2025</a:t>
             </a:fld>
             <a:endParaRPr lang="en-US"/>
           </a:p>
@@ -4509,7 +4509,7 @@
           <a:p>
             <a:fld id="{5BCAD085-E8A6-8845-BD4E-CB4CCA059FC4}" type="datetimeFigureOut">
               <a:rPr lang="en-US" smtClean="0"/>
-              <a:t>8/20/2025</a:t>
+              <a:t>8/29/2025</a:t>
             </a:fld>
             <a:endParaRPr lang="en-US"/>
           </a:p>
@@ -4604,7 +4604,7 @@
           <a:p>
             <a:fld id="{5BCAD085-E8A6-8845-BD4E-CB4CCA059FC4}" type="datetimeFigureOut">
               <a:rPr lang="en-US" smtClean="0"/>
-              <a:t>8/20/2025</a:t>
+              <a:t>8/29/2025</a:t>
             </a:fld>
             <a:endParaRPr lang="en-US"/>
           </a:p>
@@ -4853,7 +4853,7 @@
           <a:p>
             <a:fld id="{5BCAD085-E8A6-8845-BD4E-CB4CCA059FC4}" type="datetimeFigureOut">
               <a:rPr lang="en-US" smtClean="0"/>
-              <a:t>8/20/2025</a:t>
+              <a:t>8/29/2025</a:t>
             </a:fld>
             <a:endParaRPr lang="en-US"/>
           </a:p>
@@ -5110,7 +5110,7 @@
           <a:p>
             <a:fld id="{5BCAD085-E8A6-8845-BD4E-CB4CCA059FC4}" type="datetimeFigureOut">
               <a:rPr lang="en-US" smtClean="0"/>
-              <a:t>8/20/2025</a:t>
+              <a:t>8/29/2025</a:t>
             </a:fld>
             <a:endParaRPr lang="en-US"/>
           </a:p>
@@ -5353,7 +5353,7 @@
           <a:p>
             <a:fld id="{5BCAD085-E8A6-8845-BD4E-CB4CCA059FC4}" type="datetimeFigureOut">
               <a:rPr lang="en-US" smtClean="0"/>
-              <a:t>8/20/2025</a:t>
+              <a:t>8/29/2025</a:t>
             </a:fld>
             <a:endParaRPr lang="en-US"/>
           </a:p>
@@ -5843,8 +5843,8 @@
         </p:nvSpPr>
         <p:spPr>
           <a:xfrm>
-            <a:off x="848412" y="3975101"/>
-            <a:ext cx="7315200" cy="685800"/>
+            <a:off x="914400" y="3761492"/>
+            <a:ext cx="7315200" cy="427217"/>
           </a:xfrm>
         </p:spPr>
         <p:txBody>
@@ -5855,17 +5855,216 @@
           <a:p>
             <a:pPr algn="ctr"/>
             <a:r>
-              <a:rPr lang="en-US" b="1" dirty="0"/>
+              <a:rPr lang="en-US" sz="1600" b="1" dirty="0"/>
+              <a:t>Domain: Speech Processing, Machine Learning</a:t>
+            </a:r>
+          </a:p>
+        </p:txBody>
+      </p:sp>
+      <p:sp>
+        <p:nvSpPr>
+          <p:cNvPr id="4" name="Subtitle 2">
+            <a:extLst>
+              <a:ext uri="{FF2B5EF4-FFF2-40B4-BE49-F238E27FC236}">
+                <a16:creationId xmlns:a16="http://schemas.microsoft.com/office/drawing/2014/main" id="{8E74F467-B0DF-FDEC-4E5F-14C1DCEA3060}"/>
+              </a:ext>
+            </a:extLst>
+          </p:cNvPr>
+          <p:cNvSpPr txBox="1">
+            <a:spLocks/>
+          </p:cNvSpPr>
+          <p:nvPr/>
+        </p:nvSpPr>
+        <p:spPr>
+          <a:xfrm>
+            <a:off x="3090813" y="4201570"/>
+            <a:ext cx="2962373" cy="505614"/>
+          </a:xfrm>
+          <a:prstGeom prst="rect">
+            <a:avLst/>
+          </a:prstGeom>
+        </p:spPr>
+        <p:txBody>
+          <a:bodyPr vert="horz" lIns="91440" tIns="45720" rIns="91440" bIns="45720" rtlCol="0">
+            <a:noAutofit/>
+          </a:bodyPr>
+          <a:lstStyle>
+            <a:lvl1pPr marL="0" indent="0" algn="l" defTabSz="914400" rtl="0" eaLnBrk="1" latinLnBrk="0" hangingPunct="1">
+              <a:lnSpc>
+                <a:spcPct val="90000"/>
+              </a:lnSpc>
+              <a:spcBef>
+                <a:spcPts val="1000"/>
+              </a:spcBef>
+              <a:buFont typeface="Arial" panose="020B0604020202020204" pitchFamily="34" charset="0"/>
+              <a:buNone/>
+              <a:defRPr sz="2000" kern="1200">
+                <a:solidFill>
+                  <a:schemeClr val="tx1"/>
+                </a:solidFill>
+                <a:latin typeface="+mn-lt"/>
+                <a:ea typeface="+mn-ea"/>
+                <a:cs typeface="+mn-cs"/>
+              </a:defRPr>
+            </a:lvl1pPr>
+            <a:lvl2pPr marL="457200" indent="0" algn="ctr" defTabSz="914400" rtl="0" eaLnBrk="1" latinLnBrk="0" hangingPunct="1">
+              <a:lnSpc>
+                <a:spcPct val="90000"/>
+              </a:lnSpc>
+              <a:spcBef>
+                <a:spcPts val="500"/>
+              </a:spcBef>
+              <a:buFont typeface="Arial" panose="020B0604020202020204" pitchFamily="34" charset="0"/>
+              <a:buNone/>
+              <a:defRPr sz="2000" kern="1200">
+                <a:solidFill>
+                  <a:schemeClr val="tx1"/>
+                </a:solidFill>
+                <a:latin typeface="+mn-lt"/>
+                <a:ea typeface="+mn-ea"/>
+                <a:cs typeface="+mn-cs"/>
+              </a:defRPr>
+            </a:lvl2pPr>
+            <a:lvl3pPr marL="914400" indent="0" algn="ctr" defTabSz="914400" rtl="0" eaLnBrk="1" latinLnBrk="0" hangingPunct="1">
+              <a:lnSpc>
+                <a:spcPct val="90000"/>
+              </a:lnSpc>
+              <a:spcBef>
+                <a:spcPts val="500"/>
+              </a:spcBef>
+              <a:buFont typeface="Arial" panose="020B0604020202020204" pitchFamily="34" charset="0"/>
+              <a:buNone/>
+              <a:defRPr sz="1800" kern="1200">
+                <a:solidFill>
+                  <a:schemeClr val="tx1"/>
+                </a:solidFill>
+                <a:latin typeface="+mn-lt"/>
+                <a:ea typeface="+mn-ea"/>
+                <a:cs typeface="+mn-cs"/>
+              </a:defRPr>
+            </a:lvl3pPr>
+            <a:lvl4pPr marL="1371600" indent="0" algn="ctr" defTabSz="914400" rtl="0" eaLnBrk="1" latinLnBrk="0" hangingPunct="1">
+              <a:lnSpc>
+                <a:spcPct val="90000"/>
+              </a:lnSpc>
+              <a:spcBef>
+                <a:spcPts val="500"/>
+              </a:spcBef>
+              <a:buFont typeface="Arial" panose="020B0604020202020204" pitchFamily="34" charset="0"/>
+              <a:buNone/>
+              <a:defRPr sz="1600" kern="1200">
+                <a:solidFill>
+                  <a:schemeClr val="tx1"/>
+                </a:solidFill>
+                <a:latin typeface="+mn-lt"/>
+                <a:ea typeface="+mn-ea"/>
+                <a:cs typeface="+mn-cs"/>
+              </a:defRPr>
+            </a:lvl4pPr>
+            <a:lvl5pPr marL="1828800" indent="0" algn="ctr" defTabSz="914400" rtl="0" eaLnBrk="1" latinLnBrk="0" hangingPunct="1">
+              <a:lnSpc>
+                <a:spcPct val="90000"/>
+              </a:lnSpc>
+              <a:spcBef>
+                <a:spcPts val="500"/>
+              </a:spcBef>
+              <a:buFont typeface="Arial" panose="020B0604020202020204" pitchFamily="34" charset="0"/>
+              <a:buNone/>
+              <a:defRPr sz="1600" kern="1200">
+                <a:solidFill>
+                  <a:schemeClr val="tx1"/>
+                </a:solidFill>
+                <a:latin typeface="+mn-lt"/>
+                <a:ea typeface="+mn-ea"/>
+                <a:cs typeface="+mn-cs"/>
+              </a:defRPr>
+            </a:lvl5pPr>
+            <a:lvl6pPr marL="2286000" indent="0" algn="ctr" defTabSz="914400" rtl="0" eaLnBrk="1" latinLnBrk="0" hangingPunct="1">
+              <a:lnSpc>
+                <a:spcPct val="90000"/>
+              </a:lnSpc>
+              <a:spcBef>
+                <a:spcPts val="500"/>
+              </a:spcBef>
+              <a:buFont typeface="Arial" panose="020B0604020202020204" pitchFamily="34" charset="0"/>
+              <a:buNone/>
+              <a:defRPr sz="1600" kern="1200">
+                <a:solidFill>
+                  <a:schemeClr val="tx1"/>
+                </a:solidFill>
+                <a:latin typeface="+mn-lt"/>
+                <a:ea typeface="+mn-ea"/>
+                <a:cs typeface="+mn-cs"/>
+              </a:defRPr>
+            </a:lvl6pPr>
+            <a:lvl7pPr marL="2743200" indent="0" algn="ctr" defTabSz="914400" rtl="0" eaLnBrk="1" latinLnBrk="0" hangingPunct="1">
+              <a:lnSpc>
+                <a:spcPct val="90000"/>
+              </a:lnSpc>
+              <a:spcBef>
+                <a:spcPts val="500"/>
+              </a:spcBef>
+              <a:buFont typeface="Arial" panose="020B0604020202020204" pitchFamily="34" charset="0"/>
+              <a:buNone/>
+              <a:defRPr sz="1600" kern="1200">
+                <a:solidFill>
+                  <a:schemeClr val="tx1"/>
+                </a:solidFill>
+                <a:latin typeface="+mn-lt"/>
+                <a:ea typeface="+mn-ea"/>
+                <a:cs typeface="+mn-cs"/>
+              </a:defRPr>
+            </a:lvl7pPr>
+            <a:lvl8pPr marL="3200400" indent="0" algn="ctr" defTabSz="914400" rtl="0" eaLnBrk="1" latinLnBrk="0" hangingPunct="1">
+              <a:lnSpc>
+                <a:spcPct val="90000"/>
+              </a:lnSpc>
+              <a:spcBef>
+                <a:spcPts val="500"/>
+              </a:spcBef>
+              <a:buFont typeface="Arial" panose="020B0604020202020204" pitchFamily="34" charset="0"/>
+              <a:buNone/>
+              <a:defRPr sz="1600" kern="1200">
+                <a:solidFill>
+                  <a:schemeClr val="tx1"/>
+                </a:solidFill>
+                <a:latin typeface="+mn-lt"/>
+                <a:ea typeface="+mn-ea"/>
+                <a:cs typeface="+mn-cs"/>
+              </a:defRPr>
+            </a:lvl8pPr>
+            <a:lvl9pPr marL="3657600" indent="0" algn="ctr" defTabSz="914400" rtl="0" eaLnBrk="1" latinLnBrk="0" hangingPunct="1">
+              <a:lnSpc>
+                <a:spcPct val="90000"/>
+              </a:lnSpc>
+              <a:spcBef>
+                <a:spcPts val="500"/>
+              </a:spcBef>
+              <a:buFont typeface="Arial" panose="020B0604020202020204" pitchFamily="34" charset="0"/>
+              <a:buNone/>
+              <a:defRPr sz="1600" kern="1200">
+                <a:solidFill>
+                  <a:schemeClr val="tx1"/>
+                </a:solidFill>
+                <a:latin typeface="+mn-lt"/>
+                <a:ea typeface="+mn-ea"/>
+                <a:cs typeface="+mn-cs"/>
+              </a:defRPr>
+            </a:lvl9pPr>
+          </a:lstStyle>
+          <a:p>
+            <a:pPr algn="ctr"/>
+            <a:r>
+              <a:rPr lang="en-US" sz="1600" b="1" dirty="0"/>
               <a:t>Presented By</a:t>
             </a:r>
           </a:p>
           <a:p>
             <a:pPr algn="ctr"/>
             <a:r>
-              <a:rPr lang="en-US" b="1" dirty="0"/>
+              <a:rPr lang="en-US" sz="1600" b="1" dirty="0"/>
               <a:t>Jansirani A</a:t>
             </a:r>
-            <a:endParaRPr b="1" dirty="0"/>
           </a:p>
         </p:txBody>
       </p:sp>
@@ -6117,11 +6316,66 @@
               <a:buNone/>
             </a:pPr>
             <a:r>
-              <a:rPr lang="en-US" sz="1400" dirty="0"/>
+              <a:rPr lang="en-US" sz="1300" dirty="0"/>
               <a:t>Purpose: Classify human voices as male or female</a:t>
             </a:r>
           </a:p>
           <a:p>
+            <a:pPr>
+              <a:lnSpc>
+                <a:spcPct val="150000"/>
+              </a:lnSpc>
+            </a:pPr>
+            <a:r>
+              <a:rPr lang="en-US" sz="1300" dirty="0"/>
+              <a:t>Human voice carries unique acoustic features such as pitch, frequency, and energy.</a:t>
+            </a:r>
+          </a:p>
+          <a:p>
+            <a:pPr>
+              <a:lnSpc>
+                <a:spcPct val="150000"/>
+              </a:lnSpc>
+            </a:pPr>
+            <a:r>
+              <a:rPr lang="en-US" sz="1300" dirty="0"/>
+              <a:t>Voice classification helps in identifying gender (Male/Female) using these features.</a:t>
+            </a:r>
+          </a:p>
+          <a:p>
+            <a:pPr>
+              <a:lnSpc>
+                <a:spcPct val="150000"/>
+              </a:lnSpc>
+            </a:pPr>
+            <a:r>
+              <a:rPr lang="en-US" sz="1300" dirty="0"/>
+              <a:t>Machine Learning algorithms can automatically learn patterns from voice data.</a:t>
+            </a:r>
+          </a:p>
+          <a:p>
+            <a:pPr>
+              <a:lnSpc>
+                <a:spcPct val="150000"/>
+              </a:lnSpc>
+            </a:pPr>
+            <a:r>
+              <a:rPr lang="en-US" sz="1300" dirty="0"/>
+              <a:t>This project applies classification (Random Forest) and clustering (K-Means) on a voice dataset.</a:t>
+            </a:r>
+          </a:p>
+          <a:p>
+            <a:pPr>
+              <a:lnSpc>
+                <a:spcPct val="150000"/>
+              </a:lnSpc>
+            </a:pPr>
+            <a:r>
+              <a:rPr lang="en-US" sz="1300" dirty="0"/>
+              <a:t>An interactive Streamlit web app is developed to upload data, view results, and test the model easily.</a:t>
+            </a:r>
+          </a:p>
+          <a:p>
             <a:pPr marL="0" indent="0">
               <a:lnSpc>
                 <a:spcPct val="150000"/>
@@ -6129,109 +6383,43 @@
               <a:buNone/>
             </a:pPr>
             <a:r>
-              <a:rPr lang="en-US" sz="1400" dirty="0"/>
-              <a:t>Human voice contains unique acoustic properties such as frequency, pitch, and energy.</a:t>
-            </a:r>
-          </a:p>
-          <a:p>
-            <a:pPr marL="0" indent="0">
+              <a:rPr lang="en-US" sz="1300" b="1" dirty="0"/>
+              <a:t>Project Goal</a:t>
+            </a:r>
+          </a:p>
+          <a:p>
+            <a:pPr>
               <a:lnSpc>
                 <a:spcPct val="150000"/>
               </a:lnSpc>
-              <a:buNone/>
             </a:pPr>
             <a:r>
-              <a:rPr lang="en-US" sz="1400" dirty="0"/>
-              <a:t>Gender recognition from voice is important in:</a:t>
-            </a:r>
-          </a:p>
-          <a:p>
-            <a:pPr lvl="1">
+              <a:rPr lang="en-US" sz="1300" dirty="0"/>
+              <a:t>Classify human voices as Male or Female using Machine Learning</a:t>
+            </a:r>
+          </a:p>
+          <a:p>
+            <a:pPr>
               <a:lnSpc>
                 <a:spcPct val="150000"/>
               </a:lnSpc>
             </a:pPr>
             <a:r>
-              <a:rPr lang="en-US" sz="1400" dirty="0"/>
-              <a:t>Speech recognition systems</a:t>
-            </a:r>
-          </a:p>
-          <a:p>
-            <a:pPr lvl="1">
-              <a:lnSpc>
-                <a:spcPct val="100000"/>
+              <a:rPr lang="en-US" sz="1300" dirty="0"/>
+              <a:t>Apply both Supervised Learning (Random Forest) and Unsupervised Learning (K-Means Clustering)</a:t>
+            </a:r>
+          </a:p>
+          <a:p>
+            <a:pPr>
+              <a:lnSpc>
+                <a:spcPct val="150000"/>
               </a:lnSpc>
             </a:pPr>
             <a:r>
-              <a:rPr lang="en-US" sz="1400" dirty="0"/>
-              <a:t>Virtual assistants (e.g., Alexa, Siri)</a:t>
-            </a:r>
-          </a:p>
-          <a:p>
-            <a:pPr lvl="1">
-              <a:lnSpc>
-                <a:spcPct val="100000"/>
-              </a:lnSpc>
-            </a:pPr>
-            <a:r>
-              <a:rPr lang="en-US" sz="1400" dirty="0"/>
-              <a:t>Forensics &amp; security applications</a:t>
-            </a:r>
-          </a:p>
-          <a:p>
-            <a:pPr marL="457200" lvl="1" indent="0">
-              <a:lnSpc>
-                <a:spcPct val="100000"/>
-              </a:lnSpc>
-              <a:buNone/>
-            </a:pPr>
-            <a:endParaRPr lang="en-US" sz="1400" dirty="0"/>
-          </a:p>
-          <a:p>
-            <a:pPr marL="0" indent="0">
-              <a:lnSpc>
-                <a:spcPct val="100000"/>
-              </a:lnSpc>
-              <a:buNone/>
-            </a:pPr>
-            <a:r>
-              <a:rPr lang="en-US" sz="1400" b="1" dirty="0"/>
-              <a:t>Project Goal</a:t>
-            </a:r>
-          </a:p>
-          <a:p>
-            <a:pPr>
-              <a:lnSpc>
-                <a:spcPct val="150000"/>
-              </a:lnSpc>
-            </a:pPr>
-            <a:r>
-              <a:rPr lang="en-US" sz="1400" dirty="0"/>
-              <a:t>Classify human voices as Male (0) or Female (1) using Machine Learning</a:t>
-            </a:r>
-          </a:p>
-          <a:p>
-            <a:pPr>
-              <a:lnSpc>
-                <a:spcPct val="150000"/>
-              </a:lnSpc>
-            </a:pPr>
-            <a:r>
-              <a:rPr lang="en-US" sz="1400" dirty="0"/>
-              <a:t>Apply both Supervised Learning (Random Forest) and Unsupervised Learning (K-Means Clustering)</a:t>
-            </a:r>
-          </a:p>
-          <a:p>
-            <a:pPr>
-              <a:lnSpc>
-                <a:spcPct val="150000"/>
-              </a:lnSpc>
-            </a:pPr>
-            <a:r>
-              <a:rPr lang="en-US" sz="1400" dirty="0"/>
+              <a:rPr lang="en-US" sz="1300" dirty="0"/>
               <a:t>Developed an interactive Streamlit app for easy testing and visualization..</a:t>
             </a:r>
-            <a:endParaRPr lang="en-IN" sz="1400" dirty="0"/>
+            <a:endParaRPr lang="en-IN" sz="1300" dirty="0"/>
           </a:p>
         </p:txBody>
       </p:sp>
@@ -6762,14 +6950,19 @@
             <p:ph type="title"/>
           </p:nvPr>
         </p:nvSpPr>
-        <p:spPr/>
+        <p:spPr>
+          <a:xfrm>
+            <a:off x="2558827" y="658792"/>
+            <a:ext cx="3460737" cy="990899"/>
+          </a:xfrm>
+        </p:spPr>
         <p:txBody>
           <a:bodyPr/>
           <a:lstStyle/>
           <a:p>
             <a:r>
               <a:rPr lang="en-IN" b="1" dirty="0"/>
-              <a:t>Algorithm</a:t>
+              <a:t>Algorithms</a:t>
             </a:r>
             <a:endParaRPr b="1" dirty="0">
               <a:solidFill>
@@ -6791,79 +6984,428 @@
             <p:ph idx="1"/>
           </p:nvPr>
         </p:nvSpPr>
-        <p:spPr/>
-        <p:txBody>
-          <a:bodyPr/>
+        <p:spPr>
+          <a:xfrm>
+            <a:off x="594360" y="2112076"/>
+            <a:ext cx="3694836" cy="4069080"/>
+          </a:xfrm>
+        </p:spPr>
+        <p:txBody>
+          <a:bodyPr>
+            <a:noAutofit/>
+          </a:bodyPr>
           <a:lstStyle/>
           <a:p>
             <a:pPr marL="0" indent="0">
               <a:lnSpc>
-                <a:spcPct val="150000"/>
+                <a:spcPct val="100000"/>
               </a:lnSpc>
               <a:buNone/>
             </a:pPr>
             <a:r>
-              <a:rPr lang="en-US" sz="1700" b="1" dirty="0"/>
-              <a:t>Random Forest Classifier (Supervised Learning)</a:t>
+              <a:rPr lang="en-US" sz="1600" b="1" dirty="0"/>
+              <a:t>1. Random Forest Classifier (Supervised – Classification)</a:t>
+            </a:r>
+          </a:p>
+          <a:p>
+            <a:pPr>
+              <a:lnSpc>
+                <a:spcPct val="100000"/>
+              </a:lnSpc>
+            </a:pPr>
+            <a:r>
+              <a:rPr lang="en-US" sz="1400" dirty="0"/>
+              <a:t>Ensemble method → combines many decision trees.</a:t>
+            </a:r>
+          </a:p>
+          <a:p>
+            <a:pPr>
+              <a:lnSpc>
+                <a:spcPct val="100000"/>
+              </a:lnSpc>
+            </a:pPr>
+            <a:r>
+              <a:rPr lang="en-US" sz="1400" dirty="0"/>
+              <a:t>Each tree votes, majority decides final output.</a:t>
+            </a:r>
+          </a:p>
+          <a:p>
+            <a:pPr>
+              <a:lnSpc>
+                <a:spcPct val="100000"/>
+              </a:lnSpc>
+            </a:pPr>
+            <a:r>
+              <a:rPr lang="en-US" sz="1400" dirty="0"/>
+              <a:t>Works well with tabular data (like your 43 voice features).</a:t>
+            </a:r>
+          </a:p>
+          <a:p>
+            <a:pPr>
+              <a:lnSpc>
+                <a:spcPct val="100000"/>
+              </a:lnSpc>
+            </a:pPr>
+            <a:r>
+              <a:rPr lang="en-US" sz="1400" dirty="0"/>
+              <a:t>Advantages:</a:t>
+            </a:r>
+          </a:p>
+          <a:p>
+            <a:pPr lvl="1">
+              <a:lnSpc>
+                <a:spcPct val="100000"/>
+              </a:lnSpc>
+            </a:pPr>
+            <a:r>
+              <a:rPr lang="en-US" sz="1400" dirty="0"/>
+              <a:t> High accuracy</a:t>
+            </a:r>
+          </a:p>
+          <a:p>
+            <a:pPr lvl="1">
+              <a:lnSpc>
+                <a:spcPct val="100000"/>
+              </a:lnSpc>
+            </a:pPr>
+            <a:r>
+              <a:rPr lang="en-US" sz="1400" dirty="0"/>
+              <a:t>Handles non-linear relationships</a:t>
+            </a:r>
+          </a:p>
+          <a:p>
+            <a:pPr lvl="1">
+              <a:lnSpc>
+                <a:spcPct val="100000"/>
+              </a:lnSpc>
+            </a:pPr>
+            <a:r>
+              <a:rPr lang="en-US" sz="1400" dirty="0"/>
+              <a:t>Robust against overfitting</a:t>
             </a:r>
           </a:p>
           <a:p>
             <a:pPr marL="0" indent="0">
               <a:lnSpc>
-                <a:spcPct val="150000"/>
+                <a:spcPct val="100000"/>
               </a:lnSpc>
               <a:buNone/>
             </a:pPr>
             <a:r>
-              <a:rPr lang="en-US" sz="1700" dirty="0"/>
+              <a:rPr lang="en-US" sz="1400" b="1" dirty="0"/>
+              <a:t> </a:t>
+            </a:r>
+            <a:endParaRPr sz="1400" dirty="0"/>
+          </a:p>
+        </p:txBody>
+      </p:sp>
+      <p:sp>
+        <p:nvSpPr>
+          <p:cNvPr id="4" name="Content Placeholder 2">
+            <a:extLst>
+              <a:ext uri="{FF2B5EF4-FFF2-40B4-BE49-F238E27FC236}">
+                <a16:creationId xmlns:a16="http://schemas.microsoft.com/office/drawing/2014/main" id="{25E28834-3A50-FB47-2E3E-68BFF07DF3BF}"/>
+              </a:ext>
+            </a:extLst>
+          </p:cNvPr>
+          <p:cNvSpPr txBox="1">
+            <a:spLocks/>
+          </p:cNvSpPr>
+          <p:nvPr/>
+        </p:nvSpPr>
+        <p:spPr>
+          <a:xfrm>
+            <a:off x="4441596" y="2112076"/>
+            <a:ext cx="3694836" cy="4069080"/>
+          </a:xfrm>
+          <a:prstGeom prst="rect">
+            <a:avLst/>
+          </a:prstGeom>
+        </p:spPr>
+        <p:txBody>
+          <a:bodyPr vert="horz" lIns="91440" tIns="45720" rIns="91440" bIns="45720" rtlCol="0">
+            <a:noAutofit/>
+          </a:bodyPr>
+          <a:lstStyle>
+            <a:lvl1pPr marL="228600" indent="-228600" algn="l" defTabSz="914400" rtl="0" eaLnBrk="1" latinLnBrk="0" hangingPunct="1">
+              <a:lnSpc>
+                <a:spcPct val="90000"/>
+              </a:lnSpc>
+              <a:spcBef>
+                <a:spcPts val="1000"/>
+              </a:spcBef>
+              <a:buFont typeface="Arial" panose="020B0604020202020204" pitchFamily="34" charset="0"/>
+              <a:buChar char="•"/>
+              <a:defRPr sz="2200" kern="1200">
+                <a:solidFill>
+                  <a:schemeClr val="tx1"/>
+                </a:solidFill>
+                <a:latin typeface="+mn-lt"/>
+                <a:ea typeface="+mn-ea"/>
+                <a:cs typeface="+mn-cs"/>
+              </a:defRPr>
+            </a:lvl1pPr>
+            <a:lvl2pPr marL="685800" indent="-228600" algn="l" defTabSz="914400" rtl="0" eaLnBrk="1" latinLnBrk="0" hangingPunct="1">
+              <a:lnSpc>
+                <a:spcPct val="90000"/>
+              </a:lnSpc>
+              <a:spcBef>
+                <a:spcPts val="500"/>
+              </a:spcBef>
+              <a:buFont typeface="Arial" panose="020B0604020202020204" pitchFamily="34" charset="0"/>
+              <a:buChar char="•"/>
+              <a:defRPr sz="2000" kern="1200">
+                <a:solidFill>
+                  <a:schemeClr val="tx1"/>
+                </a:solidFill>
+                <a:latin typeface="+mn-lt"/>
+                <a:ea typeface="+mn-ea"/>
+                <a:cs typeface="+mn-cs"/>
+              </a:defRPr>
+            </a:lvl2pPr>
+            <a:lvl3pPr marL="1143000" indent="-228600" algn="l" defTabSz="914400" rtl="0" eaLnBrk="1" latinLnBrk="0" hangingPunct="1">
+              <a:lnSpc>
+                <a:spcPct val="90000"/>
+              </a:lnSpc>
+              <a:spcBef>
+                <a:spcPts val="500"/>
+              </a:spcBef>
+              <a:buFont typeface="Arial" panose="020B0604020202020204" pitchFamily="34" charset="0"/>
+              <a:buChar char="•"/>
+              <a:defRPr sz="1800" kern="1200">
+                <a:solidFill>
+                  <a:schemeClr val="tx1"/>
+                </a:solidFill>
+                <a:latin typeface="+mn-lt"/>
+                <a:ea typeface="+mn-ea"/>
+                <a:cs typeface="+mn-cs"/>
+              </a:defRPr>
+            </a:lvl3pPr>
+            <a:lvl4pPr marL="1600200" indent="-228600" algn="l" defTabSz="914400" rtl="0" eaLnBrk="1" latinLnBrk="0" hangingPunct="1">
+              <a:lnSpc>
+                <a:spcPct val="90000"/>
+              </a:lnSpc>
+              <a:spcBef>
+                <a:spcPts val="500"/>
+              </a:spcBef>
+              <a:buFont typeface="Arial" panose="020B0604020202020204" pitchFamily="34" charset="0"/>
+              <a:buChar char="•"/>
+              <a:defRPr sz="1600" kern="1200">
+                <a:solidFill>
+                  <a:schemeClr val="tx1"/>
+                </a:solidFill>
+                <a:latin typeface="+mn-lt"/>
+                <a:ea typeface="+mn-ea"/>
+                <a:cs typeface="+mn-cs"/>
+              </a:defRPr>
+            </a:lvl4pPr>
+            <a:lvl5pPr marL="2057400" indent="-228600" algn="l" defTabSz="914400" rtl="0" eaLnBrk="1" latinLnBrk="0" hangingPunct="1">
+              <a:lnSpc>
+                <a:spcPct val="90000"/>
+              </a:lnSpc>
+              <a:spcBef>
+                <a:spcPts val="500"/>
+              </a:spcBef>
+              <a:buFont typeface="Arial" panose="020B0604020202020204" pitchFamily="34" charset="0"/>
+              <a:buChar char="•"/>
+              <a:defRPr sz="1600" kern="1200">
+                <a:solidFill>
+                  <a:schemeClr val="tx1"/>
+                </a:solidFill>
+                <a:latin typeface="+mn-lt"/>
+                <a:ea typeface="+mn-ea"/>
+                <a:cs typeface="+mn-cs"/>
+              </a:defRPr>
+            </a:lvl5pPr>
+            <a:lvl6pPr marL="2514600" indent="-228600" algn="l" defTabSz="914400" rtl="0" eaLnBrk="1" latinLnBrk="0" hangingPunct="1">
+              <a:lnSpc>
+                <a:spcPct val="90000"/>
+              </a:lnSpc>
+              <a:spcBef>
+                <a:spcPts val="500"/>
+              </a:spcBef>
+              <a:buFont typeface="Arial" panose="020B0604020202020204" pitchFamily="34" charset="0"/>
+              <a:buChar char="•"/>
+              <a:defRPr sz="1600" kern="1200">
+                <a:solidFill>
+                  <a:schemeClr val="tx1"/>
+                </a:solidFill>
+                <a:latin typeface="+mn-lt"/>
+                <a:ea typeface="+mn-ea"/>
+                <a:cs typeface="+mn-cs"/>
+              </a:defRPr>
+            </a:lvl6pPr>
+            <a:lvl7pPr marL="2971800" indent="-228600" algn="l" defTabSz="914400" rtl="0" eaLnBrk="1" latinLnBrk="0" hangingPunct="1">
+              <a:lnSpc>
+                <a:spcPct val="90000"/>
+              </a:lnSpc>
+              <a:spcBef>
+                <a:spcPts val="500"/>
+              </a:spcBef>
+              <a:buFont typeface="Arial" panose="020B0604020202020204" pitchFamily="34" charset="0"/>
+              <a:buChar char="•"/>
+              <a:defRPr sz="1600" kern="1200">
+                <a:solidFill>
+                  <a:schemeClr val="tx1"/>
+                </a:solidFill>
+                <a:latin typeface="+mn-lt"/>
+                <a:ea typeface="+mn-ea"/>
+                <a:cs typeface="+mn-cs"/>
+              </a:defRPr>
+            </a:lvl7pPr>
+            <a:lvl8pPr marL="3429000" indent="-228600" algn="l" defTabSz="914400" rtl="0" eaLnBrk="1" latinLnBrk="0" hangingPunct="1">
+              <a:lnSpc>
+                <a:spcPct val="90000"/>
+              </a:lnSpc>
+              <a:spcBef>
+                <a:spcPts val="500"/>
+              </a:spcBef>
+              <a:buFont typeface="Arial" panose="020B0604020202020204" pitchFamily="34" charset="0"/>
+              <a:buChar char="•"/>
+              <a:defRPr sz="1600" kern="1200">
+                <a:solidFill>
+                  <a:schemeClr val="tx1"/>
+                </a:solidFill>
+                <a:latin typeface="+mn-lt"/>
+                <a:ea typeface="+mn-ea"/>
+                <a:cs typeface="+mn-cs"/>
+              </a:defRPr>
+            </a:lvl8pPr>
+            <a:lvl9pPr marL="3886200" indent="-228600" algn="l" defTabSz="914400" rtl="0" eaLnBrk="1" latinLnBrk="0" hangingPunct="1">
+              <a:lnSpc>
+                <a:spcPct val="90000"/>
+              </a:lnSpc>
+              <a:spcBef>
+                <a:spcPts val="500"/>
+              </a:spcBef>
+              <a:buFont typeface="Arial" panose="020B0604020202020204" pitchFamily="34" charset="0"/>
+              <a:buChar char="•"/>
+              <a:defRPr sz="1600" kern="1200">
+                <a:solidFill>
+                  <a:schemeClr val="tx1"/>
+                </a:solidFill>
+                <a:latin typeface="+mn-lt"/>
+                <a:ea typeface="+mn-ea"/>
+                <a:cs typeface="+mn-cs"/>
+              </a:defRPr>
+            </a:lvl9pPr>
+          </a:lstStyle>
+          <a:p>
+            <a:pPr marL="0" indent="0">
+              <a:lnSpc>
+                <a:spcPct val="100000"/>
+              </a:lnSpc>
+              <a:buNone/>
+            </a:pPr>
+            <a:r>
+              <a:rPr lang="en-US" sz="1600" b="1" dirty="0"/>
+              <a:t>2. K-Means Clustering          (Unsupervised – Clustering)</a:t>
+            </a:r>
+          </a:p>
+          <a:p>
+            <a:pPr>
+              <a:lnSpc>
+                <a:spcPct val="100000"/>
+              </a:lnSpc>
+            </a:pPr>
+            <a:r>
+              <a:rPr lang="en-US" sz="1400" dirty="0"/>
+              <a:t>Groups data into k clusters based on similarity.</a:t>
+            </a:r>
+          </a:p>
+          <a:p>
+            <a:pPr>
+              <a:lnSpc>
+                <a:spcPct val="100000"/>
+              </a:lnSpc>
+            </a:pPr>
+            <a:r>
+              <a:rPr lang="en-US" sz="1400" dirty="0"/>
               <a:t>Works by:</a:t>
             </a:r>
           </a:p>
           <a:p>
+            <a:pPr marL="800100" lvl="1" indent="-342900">
+              <a:lnSpc>
+                <a:spcPct val="100000"/>
+              </a:lnSpc>
+              <a:buFont typeface="+mj-lt"/>
+              <a:buAutoNum type="arabicPeriod"/>
+            </a:pPr>
+            <a:r>
+              <a:rPr lang="en-US" sz="1200" dirty="0"/>
+              <a:t>Selecting k random centroids</a:t>
+            </a:r>
+          </a:p>
+          <a:p>
+            <a:pPr marL="800100" lvl="1" indent="-342900">
+              <a:lnSpc>
+                <a:spcPct val="100000"/>
+              </a:lnSpc>
+              <a:buFont typeface="+mj-lt"/>
+              <a:buAutoNum type="arabicPeriod"/>
+            </a:pPr>
+            <a:r>
+              <a:rPr lang="en-US" sz="1200" dirty="0"/>
+              <a:t>Assigning points to nearest centroid</a:t>
+            </a:r>
+          </a:p>
+          <a:p>
+            <a:pPr marL="800100" lvl="1" indent="-342900">
+              <a:lnSpc>
+                <a:spcPct val="100000"/>
+              </a:lnSpc>
+              <a:buFont typeface="+mj-lt"/>
+              <a:buAutoNum type="arabicPeriod"/>
+            </a:pPr>
+            <a:r>
+              <a:rPr lang="en-US" sz="1200" dirty="0"/>
+              <a:t>Updating centroids until stable</a:t>
+            </a:r>
+          </a:p>
+          <a:p>
             <a:pPr>
               <a:lnSpc>
-                <a:spcPct val="150000"/>
+                <a:spcPct val="100000"/>
               </a:lnSpc>
             </a:pPr>
             <a:r>
-              <a:rPr lang="en-US" sz="1700" dirty="0"/>
-              <a:t>Building multiple decision trees</a:t>
-            </a:r>
-          </a:p>
-          <a:p>
-            <a:pPr>
-              <a:lnSpc>
-                <a:spcPct val="150000"/>
+              <a:rPr lang="en-US" sz="1400" dirty="0"/>
+              <a:t>Advantages:</a:t>
+            </a:r>
+          </a:p>
+          <a:p>
+            <a:pPr lvl="1">
+              <a:lnSpc>
+                <a:spcPct val="100000"/>
               </a:lnSpc>
             </a:pPr>
             <a:r>
-              <a:rPr lang="en-US" sz="1700" dirty="0"/>
-              <a:t>Taking majority vote for prediction</a:t>
-            </a:r>
-          </a:p>
-          <a:p>
-            <a:pPr marL="0" indent="0">
-              <a:lnSpc>
-                <a:spcPct val="150000"/>
-              </a:lnSpc>
-              <a:buNone/>
+              <a:rPr lang="en-US" sz="1200" dirty="0"/>
+              <a:t>Simple &amp; fast</a:t>
+            </a:r>
+          </a:p>
+          <a:p>
+            <a:pPr lvl="1">
+              <a:lnSpc>
+                <a:spcPct val="100000"/>
+              </a:lnSpc>
             </a:pPr>
             <a:r>
-              <a:rPr lang="en-US" sz="1700" b="1" dirty="0"/>
-              <a:t>K-Means Clustering (Unsupervised Learning)</a:t>
-            </a:r>
-          </a:p>
-          <a:p>
-            <a:pPr>
-              <a:lnSpc>
-                <a:spcPct val="150000"/>
+              <a:rPr lang="en-US" sz="1200" dirty="0"/>
+              <a:t>Works well for large datasets</a:t>
+            </a:r>
+          </a:p>
+          <a:p>
+            <a:pPr lvl="1">
+              <a:lnSpc>
+                <a:spcPct val="100000"/>
               </a:lnSpc>
             </a:pPr>
             <a:r>
-              <a:rPr lang="en-US" sz="1700" dirty="0"/>
-              <a:t>Groups voices into 2 natural clusters</a:t>
-            </a:r>
-            <a:endParaRPr sz="1700" dirty="0"/>
+              <a:rPr lang="en-US" sz="1200" dirty="0"/>
+              <a:t>Helps explore natural patterns in data</a:t>
+            </a:r>
           </a:p>
         </p:txBody>
       </p:sp>
@@ -6963,9 +7505,10 @@
               <a:t> </a:t>
             </a:r>
             <a:r>
-              <a:rPr b="1" dirty="0"/>
-              <a:t>Training</a:t>
-            </a:r>
+              <a:rPr lang="en-IN" b="1" dirty="0"/>
+              <a:t>Evaluation</a:t>
+            </a:r>
+            <a:endParaRPr b="1" dirty="0"/>
           </a:p>
         </p:txBody>
       </p:sp>
@@ -6987,8 +7530,8 @@
         </p:nvSpPr>
         <p:spPr>
           <a:xfrm>
-            <a:off x="594360" y="1633193"/>
-            <a:ext cx="7955280" cy="4569643"/>
+            <a:off x="386970" y="1529498"/>
+            <a:ext cx="3836238" cy="4569643"/>
           </a:xfrm>
         </p:spPr>
         <p:txBody>
@@ -7073,51 +7616,682 @@
             </a:pPr>
             <a:r>
               <a:rPr lang="en-US" sz="1400" dirty="0"/>
-              <a:t>Saving Model – Exported as </a:t>
-            </a:r>
-            <a:r>
-              <a:rPr lang="en-US" sz="1400" dirty="0" err="1"/>
-              <a:t>voice_classifier.pkl</a:t>
-            </a:r>
+              <a:t>Metrics Used</a:t>
+            </a:r>
+          </a:p>
+          <a:p>
+            <a:pPr marL="1257300" lvl="2" indent="-342900">
+              <a:lnSpc>
+                <a:spcPct val="150000"/>
+              </a:lnSpc>
+              <a:buFont typeface="+mj-lt"/>
+              <a:buAutoNum type="arabicPeriod"/>
+            </a:pPr>
+            <a:r>
+              <a:rPr lang="en-US" sz="1200" dirty="0"/>
+              <a:t>Accuracy → Percentage of correct predictions</a:t>
+            </a:r>
+          </a:p>
+          <a:p>
+            <a:pPr marL="1257300" lvl="2" indent="-342900">
+              <a:lnSpc>
+                <a:spcPct val="150000"/>
+              </a:lnSpc>
+              <a:buFont typeface="+mj-lt"/>
+              <a:buAutoNum type="arabicPeriod"/>
+            </a:pPr>
+            <a:r>
+              <a:rPr lang="en-US" sz="1200" dirty="0"/>
+              <a:t>Confusion Matrix → Shows true vs predicted labels</a:t>
+            </a:r>
+          </a:p>
+        </p:txBody>
+      </p:sp>
+      <p:sp>
+        <p:nvSpPr>
+          <p:cNvPr id="4" name="Content Placeholder 2">
+            <a:extLst>
+              <a:ext uri="{FF2B5EF4-FFF2-40B4-BE49-F238E27FC236}">
+                <a16:creationId xmlns:a16="http://schemas.microsoft.com/office/drawing/2014/main" id="{1D798A7F-42B1-BAF5-2491-76CC49FE6970}"/>
+              </a:ext>
+            </a:extLst>
+          </p:cNvPr>
+          <p:cNvSpPr txBox="1">
+            <a:spLocks/>
+          </p:cNvSpPr>
+          <p:nvPr/>
+        </p:nvSpPr>
+        <p:spPr>
+          <a:xfrm>
+            <a:off x="4223208" y="1529497"/>
+            <a:ext cx="3836238" cy="1383385"/>
+          </a:xfrm>
+          <a:prstGeom prst="rect">
+            <a:avLst/>
+          </a:prstGeom>
+        </p:spPr>
+        <p:txBody>
+          <a:bodyPr vert="horz" lIns="91440" tIns="45720" rIns="91440" bIns="45720" rtlCol="0">
+            <a:normAutofit/>
+          </a:bodyPr>
+          <a:lstStyle>
+            <a:lvl1pPr marL="228600" indent="-228600" algn="l" defTabSz="914400" rtl="0" eaLnBrk="1" latinLnBrk="0" hangingPunct="1">
+              <a:lnSpc>
+                <a:spcPct val="90000"/>
+              </a:lnSpc>
+              <a:spcBef>
+                <a:spcPts val="1000"/>
+              </a:spcBef>
+              <a:buFont typeface="Arial" panose="020B0604020202020204" pitchFamily="34" charset="0"/>
+              <a:buChar char="•"/>
+              <a:defRPr sz="2200" kern="1200">
+                <a:solidFill>
+                  <a:schemeClr val="tx1"/>
+                </a:solidFill>
+                <a:latin typeface="+mn-lt"/>
+                <a:ea typeface="+mn-ea"/>
+                <a:cs typeface="+mn-cs"/>
+              </a:defRPr>
+            </a:lvl1pPr>
+            <a:lvl2pPr marL="685800" indent="-228600" algn="l" defTabSz="914400" rtl="0" eaLnBrk="1" latinLnBrk="0" hangingPunct="1">
+              <a:lnSpc>
+                <a:spcPct val="90000"/>
+              </a:lnSpc>
+              <a:spcBef>
+                <a:spcPts val="500"/>
+              </a:spcBef>
+              <a:buFont typeface="Arial" panose="020B0604020202020204" pitchFamily="34" charset="0"/>
+              <a:buChar char="•"/>
+              <a:defRPr sz="2000" kern="1200">
+                <a:solidFill>
+                  <a:schemeClr val="tx1"/>
+                </a:solidFill>
+                <a:latin typeface="+mn-lt"/>
+                <a:ea typeface="+mn-ea"/>
+                <a:cs typeface="+mn-cs"/>
+              </a:defRPr>
+            </a:lvl2pPr>
+            <a:lvl3pPr marL="1143000" indent="-228600" algn="l" defTabSz="914400" rtl="0" eaLnBrk="1" latinLnBrk="0" hangingPunct="1">
+              <a:lnSpc>
+                <a:spcPct val="90000"/>
+              </a:lnSpc>
+              <a:spcBef>
+                <a:spcPts val="500"/>
+              </a:spcBef>
+              <a:buFont typeface="Arial" panose="020B0604020202020204" pitchFamily="34" charset="0"/>
+              <a:buChar char="•"/>
+              <a:defRPr sz="1800" kern="1200">
+                <a:solidFill>
+                  <a:schemeClr val="tx1"/>
+                </a:solidFill>
+                <a:latin typeface="+mn-lt"/>
+                <a:ea typeface="+mn-ea"/>
+                <a:cs typeface="+mn-cs"/>
+              </a:defRPr>
+            </a:lvl3pPr>
+            <a:lvl4pPr marL="1600200" indent="-228600" algn="l" defTabSz="914400" rtl="0" eaLnBrk="1" latinLnBrk="0" hangingPunct="1">
+              <a:lnSpc>
+                <a:spcPct val="90000"/>
+              </a:lnSpc>
+              <a:spcBef>
+                <a:spcPts val="500"/>
+              </a:spcBef>
+              <a:buFont typeface="Arial" panose="020B0604020202020204" pitchFamily="34" charset="0"/>
+              <a:buChar char="•"/>
+              <a:defRPr sz="1600" kern="1200">
+                <a:solidFill>
+                  <a:schemeClr val="tx1"/>
+                </a:solidFill>
+                <a:latin typeface="+mn-lt"/>
+                <a:ea typeface="+mn-ea"/>
+                <a:cs typeface="+mn-cs"/>
+              </a:defRPr>
+            </a:lvl4pPr>
+            <a:lvl5pPr marL="2057400" indent="-228600" algn="l" defTabSz="914400" rtl="0" eaLnBrk="1" latinLnBrk="0" hangingPunct="1">
+              <a:lnSpc>
+                <a:spcPct val="90000"/>
+              </a:lnSpc>
+              <a:spcBef>
+                <a:spcPts val="500"/>
+              </a:spcBef>
+              <a:buFont typeface="Arial" panose="020B0604020202020204" pitchFamily="34" charset="0"/>
+              <a:buChar char="•"/>
+              <a:defRPr sz="1600" kern="1200">
+                <a:solidFill>
+                  <a:schemeClr val="tx1"/>
+                </a:solidFill>
+                <a:latin typeface="+mn-lt"/>
+                <a:ea typeface="+mn-ea"/>
+                <a:cs typeface="+mn-cs"/>
+              </a:defRPr>
+            </a:lvl5pPr>
+            <a:lvl6pPr marL="2514600" indent="-228600" algn="l" defTabSz="914400" rtl="0" eaLnBrk="1" latinLnBrk="0" hangingPunct="1">
+              <a:lnSpc>
+                <a:spcPct val="90000"/>
+              </a:lnSpc>
+              <a:spcBef>
+                <a:spcPts val="500"/>
+              </a:spcBef>
+              <a:buFont typeface="Arial" panose="020B0604020202020204" pitchFamily="34" charset="0"/>
+              <a:buChar char="•"/>
+              <a:defRPr sz="1600" kern="1200">
+                <a:solidFill>
+                  <a:schemeClr val="tx1"/>
+                </a:solidFill>
+                <a:latin typeface="+mn-lt"/>
+                <a:ea typeface="+mn-ea"/>
+                <a:cs typeface="+mn-cs"/>
+              </a:defRPr>
+            </a:lvl6pPr>
+            <a:lvl7pPr marL="2971800" indent="-228600" algn="l" defTabSz="914400" rtl="0" eaLnBrk="1" latinLnBrk="0" hangingPunct="1">
+              <a:lnSpc>
+                <a:spcPct val="90000"/>
+              </a:lnSpc>
+              <a:spcBef>
+                <a:spcPts val="500"/>
+              </a:spcBef>
+              <a:buFont typeface="Arial" panose="020B0604020202020204" pitchFamily="34" charset="0"/>
+              <a:buChar char="•"/>
+              <a:defRPr sz="1600" kern="1200">
+                <a:solidFill>
+                  <a:schemeClr val="tx1"/>
+                </a:solidFill>
+                <a:latin typeface="+mn-lt"/>
+                <a:ea typeface="+mn-ea"/>
+                <a:cs typeface="+mn-cs"/>
+              </a:defRPr>
+            </a:lvl7pPr>
+            <a:lvl8pPr marL="3429000" indent="-228600" algn="l" defTabSz="914400" rtl="0" eaLnBrk="1" latinLnBrk="0" hangingPunct="1">
+              <a:lnSpc>
+                <a:spcPct val="90000"/>
+              </a:lnSpc>
+              <a:spcBef>
+                <a:spcPts val="500"/>
+              </a:spcBef>
+              <a:buFont typeface="Arial" panose="020B0604020202020204" pitchFamily="34" charset="0"/>
+              <a:buChar char="•"/>
+              <a:defRPr sz="1600" kern="1200">
+                <a:solidFill>
+                  <a:schemeClr val="tx1"/>
+                </a:solidFill>
+                <a:latin typeface="+mn-lt"/>
+                <a:ea typeface="+mn-ea"/>
+                <a:cs typeface="+mn-cs"/>
+              </a:defRPr>
+            </a:lvl8pPr>
+            <a:lvl9pPr marL="3886200" indent="-228600" algn="l" defTabSz="914400" rtl="0" eaLnBrk="1" latinLnBrk="0" hangingPunct="1">
+              <a:lnSpc>
+                <a:spcPct val="90000"/>
+              </a:lnSpc>
+              <a:spcBef>
+                <a:spcPts val="500"/>
+              </a:spcBef>
+              <a:buFont typeface="Arial" panose="020B0604020202020204" pitchFamily="34" charset="0"/>
+              <a:buChar char="•"/>
+              <a:defRPr sz="1600" kern="1200">
+                <a:solidFill>
+                  <a:schemeClr val="tx1"/>
+                </a:solidFill>
+                <a:latin typeface="+mn-lt"/>
+                <a:ea typeface="+mn-ea"/>
+                <a:cs typeface="+mn-cs"/>
+              </a:defRPr>
+            </a:lvl9pPr>
+          </a:lstStyle>
+          <a:p>
+            <a:pPr marL="0" indent="0">
+              <a:lnSpc>
+                <a:spcPct val="150000"/>
+              </a:lnSpc>
+              <a:buNone/>
+            </a:pPr>
+            <a:r>
+              <a:rPr lang="en-US" sz="1400" b="1" dirty="0"/>
+              <a:t>2. Results (Random Forest Classifier)</a:t>
+            </a:r>
+          </a:p>
+          <a:p>
+            <a:pPr marL="0" indent="0">
+              <a:lnSpc>
+                <a:spcPct val="150000"/>
+              </a:lnSpc>
+              <a:buNone/>
+            </a:pPr>
+            <a:r>
+              <a:rPr lang="en-US" sz="1400" b="1" dirty="0"/>
+              <a:t>Accuracy: 99.54%</a:t>
+            </a:r>
+          </a:p>
+          <a:p>
+            <a:pPr marL="0" indent="0">
+              <a:lnSpc>
+                <a:spcPct val="150000"/>
+              </a:lnSpc>
+              <a:buNone/>
+            </a:pPr>
+            <a:r>
+              <a:rPr lang="en-US" sz="1400" b="1" dirty="0"/>
+              <a:t>Confusion Matrix:</a:t>
+            </a:r>
+          </a:p>
+        </p:txBody>
+      </p:sp>
+      <p:graphicFrame>
+        <p:nvGraphicFramePr>
+          <p:cNvPr id="5" name="Table 4">
+            <a:extLst>
+              <a:ext uri="{FF2B5EF4-FFF2-40B4-BE49-F238E27FC236}">
+                <a16:creationId xmlns:a16="http://schemas.microsoft.com/office/drawing/2014/main" id="{39E3F9C4-4883-E04D-DF41-02F1F94851FE}"/>
+              </a:ext>
+            </a:extLst>
+          </p:cNvPr>
+          <p:cNvGraphicFramePr>
+            <a:graphicFrameLocks noGrp="1"/>
+          </p:cNvGraphicFramePr>
+          <p:nvPr>
+            <p:extLst>
+              <p:ext uri="{D42A27DB-BD31-4B8C-83A1-F6EECF244321}">
+                <p14:modId xmlns:p14="http://schemas.microsoft.com/office/powerpoint/2010/main" val="1549225368"/>
+              </p:ext>
+            </p:extLst>
+          </p:nvPr>
+        </p:nvGraphicFramePr>
+        <p:xfrm>
+          <a:off x="4352043" y="2877655"/>
+          <a:ext cx="4404987" cy="947072"/>
+        </p:xfrm>
+        <a:graphic>
+          <a:graphicData uri="http://schemas.openxmlformats.org/drawingml/2006/table">
+            <a:tbl>
+              <a:tblPr firstRow="1" bandRow="1">
+                <a:tableStyleId>{9D7B26C5-4107-4FEC-AEDC-1716B250A1EF}</a:tableStyleId>
+              </a:tblPr>
+              <a:tblGrid>
+                <a:gridCol w="1468329">
+                  <a:extLst>
+                    <a:ext uri="{9D8B030D-6E8A-4147-A177-3AD203B41FA5}">
+                      <a16:colId xmlns:a16="http://schemas.microsoft.com/office/drawing/2014/main" val="4205162716"/>
+                    </a:ext>
+                  </a:extLst>
+                </a:gridCol>
+                <a:gridCol w="1468329">
+                  <a:extLst>
+                    <a:ext uri="{9D8B030D-6E8A-4147-A177-3AD203B41FA5}">
+                      <a16:colId xmlns:a16="http://schemas.microsoft.com/office/drawing/2014/main" val="3164076150"/>
+                    </a:ext>
+                  </a:extLst>
+                </a:gridCol>
+                <a:gridCol w="1468329">
+                  <a:extLst>
+                    <a:ext uri="{9D8B030D-6E8A-4147-A177-3AD203B41FA5}">
+                      <a16:colId xmlns:a16="http://schemas.microsoft.com/office/drawing/2014/main" val="3284932809"/>
+                    </a:ext>
+                  </a:extLst>
+                </a:gridCol>
+              </a:tblGrid>
+              <a:tr h="223576">
+                <a:tc>
+                  <a:txBody>
+                    <a:bodyPr/>
+                    <a:lstStyle/>
+                    <a:p>
+                      <a:endParaRPr lang="en-IN" sz="1200" dirty="0"/>
+                    </a:p>
+                  </a:txBody>
+                  <a:tcPr/>
+                </a:tc>
+                <a:tc>
+                  <a:txBody>
+                    <a:bodyPr/>
+                    <a:lstStyle/>
+                    <a:p>
+                      <a:r>
+                        <a:rPr lang="en-IN" sz="1200" dirty="0"/>
+                        <a:t>Predicted Male</a:t>
+                      </a:r>
+                    </a:p>
+                  </a:txBody>
+                  <a:tcPr/>
+                </a:tc>
+                <a:tc>
+                  <a:txBody>
+                    <a:bodyPr/>
+                    <a:lstStyle/>
+                    <a:p>
+                      <a:r>
+                        <a:rPr lang="en-IN" sz="1200" dirty="0"/>
+                        <a:t>Predicted Female</a:t>
+                      </a:r>
+                    </a:p>
+                  </a:txBody>
+                  <a:tcPr/>
+                </a:tc>
+                <a:extLst>
+                  <a:ext uri="{0D108BD9-81ED-4DB2-BD59-A6C34878D82A}">
+                    <a16:rowId xmlns:a16="http://schemas.microsoft.com/office/drawing/2014/main" val="3973850530"/>
+                  </a:ext>
+                </a:extLst>
+              </a:tr>
+              <a:tr h="241653">
+                <a:tc>
+                  <a:txBody>
+                    <a:bodyPr/>
+                    <a:lstStyle/>
+                    <a:p>
+                      <a:r>
+                        <a:rPr lang="en-IN" sz="1200" dirty="0"/>
+                        <a:t>Actual Male</a:t>
+                      </a:r>
+                    </a:p>
+                  </a:txBody>
+                  <a:tcPr/>
+                </a:tc>
+                <a:tc>
+                  <a:txBody>
+                    <a:bodyPr/>
+                    <a:lstStyle/>
+                    <a:p>
+                      <a:r>
+                        <a:rPr lang="en-IN" sz="1200" dirty="0"/>
+                        <a:t>1152	</a:t>
+                      </a:r>
+                    </a:p>
+                  </a:txBody>
+                  <a:tcPr/>
+                </a:tc>
+                <a:tc>
+                  <a:txBody>
+                    <a:bodyPr/>
+                    <a:lstStyle/>
+                    <a:p>
+                      <a:r>
+                        <a:rPr lang="en-IN" sz="1200" dirty="0"/>
+                        <a:t>11</a:t>
+                      </a:r>
+                    </a:p>
+                  </a:txBody>
+                  <a:tcPr/>
+                </a:tc>
+                <a:extLst>
+                  <a:ext uri="{0D108BD9-81ED-4DB2-BD59-A6C34878D82A}">
+                    <a16:rowId xmlns:a16="http://schemas.microsoft.com/office/drawing/2014/main" val="1854381413"/>
+                  </a:ext>
+                </a:extLst>
+              </a:tr>
+              <a:tr h="398432">
+                <a:tc>
+                  <a:txBody>
+                    <a:bodyPr/>
+                    <a:lstStyle/>
+                    <a:p>
+                      <a:r>
+                        <a:rPr lang="en-IN" sz="1200" dirty="0"/>
+                        <a:t>Actual Female</a:t>
+                      </a:r>
+                    </a:p>
+                  </a:txBody>
+                  <a:tcPr/>
+                </a:tc>
+                <a:tc>
+                  <a:txBody>
+                    <a:bodyPr/>
+                    <a:lstStyle/>
+                    <a:p>
+                      <a:r>
+                        <a:rPr lang="en-IN" sz="1200" dirty="0"/>
+                        <a:t>4</a:t>
+                      </a:r>
+                    </a:p>
+                  </a:txBody>
+                  <a:tcPr/>
+                </a:tc>
+                <a:tc>
+                  <a:txBody>
+                    <a:bodyPr/>
+                    <a:lstStyle/>
+                    <a:p>
+                      <a:r>
+                        <a:rPr lang="en-IN" sz="1200" dirty="0"/>
+                        <a:t>2063</a:t>
+                      </a:r>
+                    </a:p>
+                  </a:txBody>
+                  <a:tcPr/>
+                </a:tc>
+                <a:extLst>
+                  <a:ext uri="{0D108BD9-81ED-4DB2-BD59-A6C34878D82A}">
+                    <a16:rowId xmlns:a16="http://schemas.microsoft.com/office/drawing/2014/main" val="4094617486"/>
+                  </a:ext>
+                </a:extLst>
+              </a:tr>
+            </a:tbl>
+          </a:graphicData>
+        </a:graphic>
+      </p:graphicFrame>
+      <p:sp>
+        <p:nvSpPr>
+          <p:cNvPr id="8" name="Content Placeholder 2">
+            <a:extLst>
+              <a:ext uri="{FF2B5EF4-FFF2-40B4-BE49-F238E27FC236}">
+                <a16:creationId xmlns:a16="http://schemas.microsoft.com/office/drawing/2014/main" id="{F2B110C2-396E-BC84-3318-F75EE073BF6C}"/>
+              </a:ext>
+            </a:extLst>
+          </p:cNvPr>
+          <p:cNvSpPr txBox="1">
+            <a:spLocks/>
+          </p:cNvSpPr>
+          <p:nvPr/>
+        </p:nvSpPr>
+        <p:spPr>
+          <a:xfrm>
+            <a:off x="4352042" y="4096712"/>
+            <a:ext cx="4404987" cy="1383385"/>
+          </a:xfrm>
+          <a:prstGeom prst="rect">
+            <a:avLst/>
+          </a:prstGeom>
+        </p:spPr>
+        <p:txBody>
+          <a:bodyPr vert="horz" lIns="91440" tIns="45720" rIns="91440" bIns="45720" rtlCol="0">
+            <a:normAutofit/>
+          </a:bodyPr>
+          <a:lstStyle>
+            <a:lvl1pPr marL="228600" indent="-228600" algn="l" defTabSz="914400" rtl="0" eaLnBrk="1" latinLnBrk="0" hangingPunct="1">
+              <a:lnSpc>
+                <a:spcPct val="90000"/>
+              </a:lnSpc>
+              <a:spcBef>
+                <a:spcPts val="1000"/>
+              </a:spcBef>
+              <a:buFont typeface="Arial" panose="020B0604020202020204" pitchFamily="34" charset="0"/>
+              <a:buChar char="•"/>
+              <a:defRPr sz="2200" kern="1200">
+                <a:solidFill>
+                  <a:schemeClr val="tx1"/>
+                </a:solidFill>
+                <a:latin typeface="+mn-lt"/>
+                <a:ea typeface="+mn-ea"/>
+                <a:cs typeface="+mn-cs"/>
+              </a:defRPr>
+            </a:lvl1pPr>
+            <a:lvl2pPr marL="685800" indent="-228600" algn="l" defTabSz="914400" rtl="0" eaLnBrk="1" latinLnBrk="0" hangingPunct="1">
+              <a:lnSpc>
+                <a:spcPct val="90000"/>
+              </a:lnSpc>
+              <a:spcBef>
+                <a:spcPts val="500"/>
+              </a:spcBef>
+              <a:buFont typeface="Arial" panose="020B0604020202020204" pitchFamily="34" charset="0"/>
+              <a:buChar char="•"/>
+              <a:defRPr sz="2000" kern="1200">
+                <a:solidFill>
+                  <a:schemeClr val="tx1"/>
+                </a:solidFill>
+                <a:latin typeface="+mn-lt"/>
+                <a:ea typeface="+mn-ea"/>
+                <a:cs typeface="+mn-cs"/>
+              </a:defRPr>
+            </a:lvl2pPr>
+            <a:lvl3pPr marL="1143000" indent="-228600" algn="l" defTabSz="914400" rtl="0" eaLnBrk="1" latinLnBrk="0" hangingPunct="1">
+              <a:lnSpc>
+                <a:spcPct val="90000"/>
+              </a:lnSpc>
+              <a:spcBef>
+                <a:spcPts val="500"/>
+              </a:spcBef>
+              <a:buFont typeface="Arial" panose="020B0604020202020204" pitchFamily="34" charset="0"/>
+              <a:buChar char="•"/>
+              <a:defRPr sz="1800" kern="1200">
+                <a:solidFill>
+                  <a:schemeClr val="tx1"/>
+                </a:solidFill>
+                <a:latin typeface="+mn-lt"/>
+                <a:ea typeface="+mn-ea"/>
+                <a:cs typeface="+mn-cs"/>
+              </a:defRPr>
+            </a:lvl3pPr>
+            <a:lvl4pPr marL="1600200" indent="-228600" algn="l" defTabSz="914400" rtl="0" eaLnBrk="1" latinLnBrk="0" hangingPunct="1">
+              <a:lnSpc>
+                <a:spcPct val="90000"/>
+              </a:lnSpc>
+              <a:spcBef>
+                <a:spcPts val="500"/>
+              </a:spcBef>
+              <a:buFont typeface="Arial" panose="020B0604020202020204" pitchFamily="34" charset="0"/>
+              <a:buChar char="•"/>
+              <a:defRPr sz="1600" kern="1200">
+                <a:solidFill>
+                  <a:schemeClr val="tx1"/>
+                </a:solidFill>
+                <a:latin typeface="+mn-lt"/>
+                <a:ea typeface="+mn-ea"/>
+                <a:cs typeface="+mn-cs"/>
+              </a:defRPr>
+            </a:lvl4pPr>
+            <a:lvl5pPr marL="2057400" indent="-228600" algn="l" defTabSz="914400" rtl="0" eaLnBrk="1" latinLnBrk="0" hangingPunct="1">
+              <a:lnSpc>
+                <a:spcPct val="90000"/>
+              </a:lnSpc>
+              <a:spcBef>
+                <a:spcPts val="500"/>
+              </a:spcBef>
+              <a:buFont typeface="Arial" panose="020B0604020202020204" pitchFamily="34" charset="0"/>
+              <a:buChar char="•"/>
+              <a:defRPr sz="1600" kern="1200">
+                <a:solidFill>
+                  <a:schemeClr val="tx1"/>
+                </a:solidFill>
+                <a:latin typeface="+mn-lt"/>
+                <a:ea typeface="+mn-ea"/>
+                <a:cs typeface="+mn-cs"/>
+              </a:defRPr>
+            </a:lvl5pPr>
+            <a:lvl6pPr marL="2514600" indent="-228600" algn="l" defTabSz="914400" rtl="0" eaLnBrk="1" latinLnBrk="0" hangingPunct="1">
+              <a:lnSpc>
+                <a:spcPct val="90000"/>
+              </a:lnSpc>
+              <a:spcBef>
+                <a:spcPts val="500"/>
+              </a:spcBef>
+              <a:buFont typeface="Arial" panose="020B0604020202020204" pitchFamily="34" charset="0"/>
+              <a:buChar char="•"/>
+              <a:defRPr sz="1600" kern="1200">
+                <a:solidFill>
+                  <a:schemeClr val="tx1"/>
+                </a:solidFill>
+                <a:latin typeface="+mn-lt"/>
+                <a:ea typeface="+mn-ea"/>
+                <a:cs typeface="+mn-cs"/>
+              </a:defRPr>
+            </a:lvl6pPr>
+            <a:lvl7pPr marL="2971800" indent="-228600" algn="l" defTabSz="914400" rtl="0" eaLnBrk="1" latinLnBrk="0" hangingPunct="1">
+              <a:lnSpc>
+                <a:spcPct val="90000"/>
+              </a:lnSpc>
+              <a:spcBef>
+                <a:spcPts val="500"/>
+              </a:spcBef>
+              <a:buFont typeface="Arial" panose="020B0604020202020204" pitchFamily="34" charset="0"/>
+              <a:buChar char="•"/>
+              <a:defRPr sz="1600" kern="1200">
+                <a:solidFill>
+                  <a:schemeClr val="tx1"/>
+                </a:solidFill>
+                <a:latin typeface="+mn-lt"/>
+                <a:ea typeface="+mn-ea"/>
+                <a:cs typeface="+mn-cs"/>
+              </a:defRPr>
+            </a:lvl7pPr>
+            <a:lvl8pPr marL="3429000" indent="-228600" algn="l" defTabSz="914400" rtl="0" eaLnBrk="1" latinLnBrk="0" hangingPunct="1">
+              <a:lnSpc>
+                <a:spcPct val="90000"/>
+              </a:lnSpc>
+              <a:spcBef>
+                <a:spcPts val="500"/>
+              </a:spcBef>
+              <a:buFont typeface="Arial" panose="020B0604020202020204" pitchFamily="34" charset="0"/>
+              <a:buChar char="•"/>
+              <a:defRPr sz="1600" kern="1200">
+                <a:solidFill>
+                  <a:schemeClr val="tx1"/>
+                </a:solidFill>
+                <a:latin typeface="+mn-lt"/>
+                <a:ea typeface="+mn-ea"/>
+                <a:cs typeface="+mn-cs"/>
+              </a:defRPr>
+            </a:lvl8pPr>
+            <a:lvl9pPr marL="3886200" indent="-228600" algn="l" defTabSz="914400" rtl="0" eaLnBrk="1" latinLnBrk="0" hangingPunct="1">
+              <a:lnSpc>
+                <a:spcPct val="90000"/>
+              </a:lnSpc>
+              <a:spcBef>
+                <a:spcPts val="500"/>
+              </a:spcBef>
+              <a:buFont typeface="Arial" panose="020B0604020202020204" pitchFamily="34" charset="0"/>
+              <a:buChar char="•"/>
+              <a:defRPr sz="1600" kern="1200">
+                <a:solidFill>
+                  <a:schemeClr val="tx1"/>
+                </a:solidFill>
+                <a:latin typeface="+mn-lt"/>
+                <a:ea typeface="+mn-ea"/>
+                <a:cs typeface="+mn-cs"/>
+              </a:defRPr>
+            </a:lvl9pPr>
+          </a:lstStyle>
+          <a:p>
+            <a:pPr marL="0" indent="0">
+              <a:lnSpc>
+                <a:spcPct val="150000"/>
+              </a:lnSpc>
+              <a:buNone/>
+            </a:pPr>
+            <a:r>
+              <a:rPr lang="en-US" sz="1400" b="1" dirty="0"/>
+              <a:t>Interpretation:</a:t>
+            </a:r>
+          </a:p>
+          <a:p>
+            <a:pPr>
+              <a:lnSpc>
+                <a:spcPct val="150000"/>
+              </a:lnSpc>
+            </a:pPr>
             <a:r>
               <a:rPr lang="en-US" sz="1400" dirty="0"/>
-              <a:t> for later use in Streamlit app</a:t>
-            </a:r>
-          </a:p>
-          <a:p>
-            <a:pPr marL="0" indent="0">
+              <a:t>Most Male and Female voices classified correctly</a:t>
+            </a:r>
+          </a:p>
+          <a:p>
+            <a:pPr>
               <a:lnSpc>
                 <a:spcPct val="150000"/>
               </a:lnSpc>
-              <a:buNone/>
             </a:pPr>
             <a:r>
-              <a:rPr lang="en-US" sz="1400" b="1" dirty="0"/>
-              <a:t>Parameters:</a:t>
-            </a:r>
-          </a:p>
-          <a:p>
-            <a:pPr lvl="1">
-              <a:lnSpc>
-                <a:spcPct val="150000"/>
-              </a:lnSpc>
-            </a:pPr>
-            <a:r>
               <a:rPr lang="en-US" sz="1400" dirty="0"/>
-              <a:t>Number of Trees = 100</a:t>
-            </a:r>
-          </a:p>
-          <a:p>
-            <a:pPr lvl="1">
-              <a:lnSpc>
-                <a:spcPct val="100000"/>
-              </a:lnSpc>
-            </a:pPr>
-            <a:r>
-              <a:rPr lang="en-US" sz="1400" dirty="0"/>
-              <a:t>Random State = 42 (to ensure same results every time)</a:t>
-            </a:r>
-            <a:endParaRPr sz="1400" dirty="0"/>
+              <a:t>Only 15 misclassifications out of ~3230 samples</a:t>
+            </a:r>
           </a:p>
         </p:txBody>
       </p:sp>
